--- a/img/request_response.pptx
+++ b/img/request_response.pptx
@@ -104,6 +104,11 @@
       </a:defRPr>
     </a:lvl9pPr>
   </p:defaultTextStyle>
+  <p:extLst>
+    <p:ext uri="{EFAFB233-063F-42B5-8137-9DF3F51BA10A}">
+      <p15:sldGuideLst xmlns:p15="http://schemas.microsoft.com/office/powerpoint/2012/main"/>
+    </p:ext>
+  </p:extLst>
 </p:presentation>
 </file>
 
@@ -254,7 +259,7 @@
           <a:p>
             <a:fld id="{47F3457E-2C40-4C44-8C38-16B55CD7BACD}" type="datetimeFigureOut">
               <a:rPr lang="ko-KR" altLang="en-US" smtClean="0"/>
-              <a:t>2019-09-25</a:t>
+              <a:t>2019-09-26</a:t>
             </a:fld>
             <a:endParaRPr lang="ko-KR" altLang="en-US"/>
           </a:p>
@@ -452,7 +457,7 @@
           <a:p>
             <a:fld id="{47F3457E-2C40-4C44-8C38-16B55CD7BACD}" type="datetimeFigureOut">
               <a:rPr lang="ko-KR" altLang="en-US" smtClean="0"/>
-              <a:t>2019-09-25</a:t>
+              <a:t>2019-09-26</a:t>
             </a:fld>
             <a:endParaRPr lang="ko-KR" altLang="en-US"/>
           </a:p>
@@ -660,7 +665,7 @@
           <a:p>
             <a:fld id="{47F3457E-2C40-4C44-8C38-16B55CD7BACD}" type="datetimeFigureOut">
               <a:rPr lang="ko-KR" altLang="en-US" smtClean="0"/>
-              <a:t>2019-09-25</a:t>
+              <a:t>2019-09-26</a:t>
             </a:fld>
             <a:endParaRPr lang="ko-KR" altLang="en-US"/>
           </a:p>
@@ -858,7 +863,7 @@
           <a:p>
             <a:fld id="{47F3457E-2C40-4C44-8C38-16B55CD7BACD}" type="datetimeFigureOut">
               <a:rPr lang="ko-KR" altLang="en-US" smtClean="0"/>
-              <a:t>2019-09-25</a:t>
+              <a:t>2019-09-26</a:t>
             </a:fld>
             <a:endParaRPr lang="ko-KR" altLang="en-US"/>
           </a:p>
@@ -1133,7 +1138,7 @@
           <a:p>
             <a:fld id="{47F3457E-2C40-4C44-8C38-16B55CD7BACD}" type="datetimeFigureOut">
               <a:rPr lang="ko-KR" altLang="en-US" smtClean="0"/>
-              <a:t>2019-09-25</a:t>
+              <a:t>2019-09-26</a:t>
             </a:fld>
             <a:endParaRPr lang="ko-KR" altLang="en-US"/>
           </a:p>
@@ -1398,7 +1403,7 @@
           <a:p>
             <a:fld id="{47F3457E-2C40-4C44-8C38-16B55CD7BACD}" type="datetimeFigureOut">
               <a:rPr lang="ko-KR" altLang="en-US" smtClean="0"/>
-              <a:t>2019-09-25</a:t>
+              <a:t>2019-09-26</a:t>
             </a:fld>
             <a:endParaRPr lang="ko-KR" altLang="en-US"/>
           </a:p>
@@ -1810,7 +1815,7 @@
           <a:p>
             <a:fld id="{47F3457E-2C40-4C44-8C38-16B55CD7BACD}" type="datetimeFigureOut">
               <a:rPr lang="ko-KR" altLang="en-US" smtClean="0"/>
-              <a:t>2019-09-25</a:t>
+              <a:t>2019-09-26</a:t>
             </a:fld>
             <a:endParaRPr lang="ko-KR" altLang="en-US"/>
           </a:p>
@@ -1951,7 +1956,7 @@
           <a:p>
             <a:fld id="{47F3457E-2C40-4C44-8C38-16B55CD7BACD}" type="datetimeFigureOut">
               <a:rPr lang="ko-KR" altLang="en-US" smtClean="0"/>
-              <a:t>2019-09-25</a:t>
+              <a:t>2019-09-26</a:t>
             </a:fld>
             <a:endParaRPr lang="ko-KR" altLang="en-US"/>
           </a:p>
@@ -2064,7 +2069,7 @@
           <a:p>
             <a:fld id="{47F3457E-2C40-4C44-8C38-16B55CD7BACD}" type="datetimeFigureOut">
               <a:rPr lang="ko-KR" altLang="en-US" smtClean="0"/>
-              <a:t>2019-09-25</a:t>
+              <a:t>2019-09-26</a:t>
             </a:fld>
             <a:endParaRPr lang="ko-KR" altLang="en-US"/>
           </a:p>
@@ -2375,7 +2380,7 @@
           <a:p>
             <a:fld id="{47F3457E-2C40-4C44-8C38-16B55CD7BACD}" type="datetimeFigureOut">
               <a:rPr lang="ko-KR" altLang="en-US" smtClean="0"/>
-              <a:t>2019-09-25</a:t>
+              <a:t>2019-09-26</a:t>
             </a:fld>
             <a:endParaRPr lang="ko-KR" altLang="en-US"/>
           </a:p>
@@ -2663,7 +2668,7 @@
           <a:p>
             <a:fld id="{47F3457E-2C40-4C44-8C38-16B55CD7BACD}" type="datetimeFigureOut">
               <a:rPr lang="ko-KR" altLang="en-US" smtClean="0"/>
-              <a:t>2019-09-25</a:t>
+              <a:t>2019-09-26</a:t>
             </a:fld>
             <a:endParaRPr lang="ko-KR" altLang="en-US"/>
           </a:p>
@@ -2904,7 +2909,7 @@
           <a:p>
             <a:fld id="{47F3457E-2C40-4C44-8C38-16B55CD7BACD}" type="datetimeFigureOut">
               <a:rPr lang="ko-KR" altLang="en-US" smtClean="0"/>
-              <a:t>2019-09-25</a:t>
+              <a:t>2019-09-26</a:t>
             </a:fld>
             <a:endParaRPr lang="ko-KR" altLang="en-US"/>
           </a:p>
@@ -3323,10 +3328,10 @@
       </p:grpSpPr>
       <p:pic>
         <p:nvPicPr>
-          <p:cNvPr id="5" name="그림 4">
-            <a:extLst>
-              <a:ext uri="{FF2B5EF4-FFF2-40B4-BE49-F238E27FC236}">
-                <a16:creationId xmlns:a16="http://schemas.microsoft.com/office/drawing/2014/main" id="{A54CBB0D-3C37-4D30-878F-860E8FFBF8B4}"/>
+          <p:cNvPr id="8" name="그래픽 7" descr="데이터베이스">
+            <a:extLst>
+              <a:ext uri="{FF2B5EF4-FFF2-40B4-BE49-F238E27FC236}">
+                <a16:creationId xmlns:a16="http://schemas.microsoft.com/office/drawing/2014/main" id="{A23DE747-51B4-40A2-A4F7-FB05D1427B74}"/>
               </a:ext>
             </a:extLst>
           </p:cNvPr>
@@ -3341,8 +3346,8 @@
               <a:ext uri="{28A0092B-C50C-407E-A947-70E740481C1C}">
                 <a14:useLocalDpi xmlns:a14="http://schemas.microsoft.com/office/drawing/2010/main" val="0"/>
               </a:ext>
-              <a:ext uri="{837473B0-CC2E-450A-ABE3-18F120FF3D39}">
-                <a1611:picAttrSrcUrl xmlns:a1611="http://schemas.microsoft.com/office/drawing/2016/11/main" r:id="rId3"/>
+              <a:ext uri="{96DAC541-7B7A-43D3-8B79-37D633B846F1}">
+                <asvg:svgBlip xmlns:asvg="http://schemas.microsoft.com/office/drawing/2016/SVG/main" r:embed="rId3"/>
               </a:ext>
             </a:extLst>
           </a:blip>
@@ -3352,8 +3357,377 @@
         </p:blipFill>
         <p:spPr>
           <a:xfrm>
-            <a:off x="4198227" y="1557904"/>
-            <a:ext cx="2596859" cy="1460733"/>
+            <a:off x="5039780" y="4632338"/>
+            <a:ext cx="1791050" cy="1791050"/>
+          </a:xfrm>
+          <a:prstGeom prst="rect">
+            <a:avLst/>
+          </a:prstGeom>
+        </p:spPr>
+      </p:pic>
+      <p:sp>
+        <p:nvSpPr>
+          <p:cNvPr id="10" name="TextBox 9">
+            <a:extLst>
+              <a:ext uri="{FF2B5EF4-FFF2-40B4-BE49-F238E27FC236}">
+                <a16:creationId xmlns:a16="http://schemas.microsoft.com/office/drawing/2014/main" id="{855573BA-0D9D-4446-9757-C57D4A36A7FD}"/>
+              </a:ext>
+            </a:extLst>
+          </p:cNvPr>
+          <p:cNvSpPr txBox="1"/>
+          <p:nvPr/>
+        </p:nvSpPr>
+        <p:spPr>
+          <a:xfrm>
+            <a:off x="3630289" y="1842972"/>
+            <a:ext cx="730891" cy="400110"/>
+          </a:xfrm>
+          <a:prstGeom prst="rect">
+            <a:avLst/>
+          </a:prstGeom>
+          <a:noFill/>
+        </p:spPr>
+        <p:txBody>
+          <a:bodyPr wrap="square" rtlCol="0">
+            <a:spAutoFit/>
+          </a:bodyPr>
+          <a:lstStyle/>
+          <a:p>
+            <a:r>
+              <a:rPr lang="en-US" altLang="ko-KR" sz="2000" b="1" dirty="0">
+                <a:solidFill>
+                  <a:schemeClr val="bg1">
+                    <a:lumMod val="50000"/>
+                  </a:schemeClr>
+                </a:solidFill>
+                <a:latin typeface="210 옴니고딕 030" panose="02020603020101020101" pitchFamily="18" charset="-127"/>
+                <a:ea typeface="210 옴니고딕 030" panose="02020603020101020101" pitchFamily="18" charset="-127"/>
+              </a:rPr>
+              <a:t>URL</a:t>
+            </a:r>
+            <a:endParaRPr lang="ko-KR" altLang="en-US" sz="2000" b="1" dirty="0">
+              <a:solidFill>
+                <a:schemeClr val="bg1">
+                  <a:lumMod val="50000"/>
+                </a:schemeClr>
+              </a:solidFill>
+              <a:latin typeface="210 옴니고딕 030" panose="02020603020101020101" pitchFamily="18" charset="-127"/>
+              <a:ea typeface="210 옴니고딕 030" panose="02020603020101020101" pitchFamily="18" charset="-127"/>
+            </a:endParaRPr>
+          </a:p>
+        </p:txBody>
+      </p:sp>
+      <p:sp>
+        <p:nvSpPr>
+          <p:cNvPr id="11" name="TextBox 10">
+            <a:extLst>
+              <a:ext uri="{FF2B5EF4-FFF2-40B4-BE49-F238E27FC236}">
+                <a16:creationId xmlns:a16="http://schemas.microsoft.com/office/drawing/2014/main" id="{3523C4D5-0393-42AD-9A29-3CD86520B88C}"/>
+              </a:ext>
+            </a:extLst>
+          </p:cNvPr>
+          <p:cNvSpPr txBox="1"/>
+          <p:nvPr/>
+        </p:nvSpPr>
+        <p:spPr>
+          <a:xfrm>
+            <a:off x="5466077" y="6274340"/>
+            <a:ext cx="1002816" cy="523220"/>
+          </a:xfrm>
+          <a:prstGeom prst="rect">
+            <a:avLst/>
+          </a:prstGeom>
+          <a:noFill/>
+        </p:spPr>
+        <p:txBody>
+          <a:bodyPr wrap="square" rtlCol="0">
+            <a:spAutoFit/>
+          </a:bodyPr>
+          <a:lstStyle/>
+          <a:p>
+            <a:r>
+              <a:rPr lang="en-US" altLang="ko-KR" sz="2800" b="1" dirty="0">
+                <a:solidFill>
+                  <a:schemeClr val="bg1">
+                    <a:lumMod val="50000"/>
+                  </a:schemeClr>
+                </a:solidFill>
+                <a:latin typeface="210 옴니고딕 030" panose="02020603020101020101" pitchFamily="18" charset="-127"/>
+                <a:ea typeface="210 옴니고딕 030" panose="02020603020101020101" pitchFamily="18" charset="-127"/>
+              </a:rPr>
+              <a:t>DNS</a:t>
+            </a:r>
+            <a:endParaRPr lang="ko-KR" altLang="en-US" sz="2800" b="1" dirty="0">
+              <a:solidFill>
+                <a:schemeClr val="bg1">
+                  <a:lumMod val="50000"/>
+                </a:schemeClr>
+              </a:solidFill>
+              <a:latin typeface="210 옴니고딕 030" panose="02020603020101020101" pitchFamily="18" charset="-127"/>
+              <a:ea typeface="210 옴니고딕 030" panose="02020603020101020101" pitchFamily="18" charset="-127"/>
+            </a:endParaRPr>
+          </a:p>
+        </p:txBody>
+      </p:sp>
+      <p:sp>
+        <p:nvSpPr>
+          <p:cNvPr id="12" name="TextBox 11">
+            <a:extLst>
+              <a:ext uri="{FF2B5EF4-FFF2-40B4-BE49-F238E27FC236}">
+                <a16:creationId xmlns:a16="http://schemas.microsoft.com/office/drawing/2014/main" id="{7040B803-4D1B-4C59-94A9-C62A98DBF738}"/>
+              </a:ext>
+            </a:extLst>
+          </p:cNvPr>
+          <p:cNvSpPr txBox="1"/>
+          <p:nvPr/>
+        </p:nvSpPr>
+        <p:spPr>
+          <a:xfrm>
+            <a:off x="5167838" y="1029524"/>
+            <a:ext cx="2282688" cy="523220"/>
+          </a:xfrm>
+          <a:prstGeom prst="rect">
+            <a:avLst/>
+          </a:prstGeom>
+          <a:noFill/>
+        </p:spPr>
+        <p:txBody>
+          <a:bodyPr wrap="square" rtlCol="0">
+            <a:spAutoFit/>
+          </a:bodyPr>
+          <a:lstStyle/>
+          <a:p>
+            <a:r>
+              <a:rPr lang="en-US" altLang="ko-KR" sz="2800" b="1" dirty="0">
+                <a:solidFill>
+                  <a:schemeClr val="bg1">
+                    <a:lumMod val="50000"/>
+                  </a:schemeClr>
+                </a:solidFill>
+                <a:latin typeface="210 옴니고딕 030" panose="02020603020101020101" pitchFamily="18" charset="-127"/>
+                <a:ea typeface="210 옴니고딕 030" panose="02020603020101020101" pitchFamily="18" charset="-127"/>
+              </a:rPr>
+              <a:t>Browser</a:t>
+            </a:r>
+            <a:endParaRPr lang="ko-KR" altLang="en-US" sz="2800" b="1" dirty="0">
+              <a:solidFill>
+                <a:schemeClr val="bg1">
+                  <a:lumMod val="50000"/>
+                </a:schemeClr>
+              </a:solidFill>
+              <a:latin typeface="210 옴니고딕 030" panose="02020603020101020101" pitchFamily="18" charset="-127"/>
+              <a:ea typeface="210 옴니고딕 030" panose="02020603020101020101" pitchFamily="18" charset="-127"/>
+            </a:endParaRPr>
+          </a:p>
+        </p:txBody>
+      </p:sp>
+      <p:sp>
+        <p:nvSpPr>
+          <p:cNvPr id="17" name="TextBox 16">
+            <a:extLst>
+              <a:ext uri="{FF2B5EF4-FFF2-40B4-BE49-F238E27FC236}">
+                <a16:creationId xmlns:a16="http://schemas.microsoft.com/office/drawing/2014/main" id="{3707E838-1671-44D3-A6A7-4B7F81138757}"/>
+              </a:ext>
+            </a:extLst>
+          </p:cNvPr>
+          <p:cNvSpPr txBox="1"/>
+          <p:nvPr/>
+        </p:nvSpPr>
+        <p:spPr>
+          <a:xfrm>
+            <a:off x="6221570" y="3941022"/>
+            <a:ext cx="1250258" cy="707886"/>
+          </a:xfrm>
+          <a:prstGeom prst="rect">
+            <a:avLst/>
+          </a:prstGeom>
+          <a:noFill/>
+        </p:spPr>
+        <p:txBody>
+          <a:bodyPr wrap="square" rtlCol="0">
+            <a:spAutoFit/>
+          </a:bodyPr>
+          <a:lstStyle/>
+          <a:p>
+            <a:pPr algn="ctr"/>
+            <a:r>
+              <a:rPr lang="en-US" altLang="ko-KR" sz="2000" b="1" dirty="0">
+                <a:solidFill>
+                  <a:schemeClr val="bg1">
+                    <a:lumMod val="50000"/>
+                  </a:schemeClr>
+                </a:solidFill>
+                <a:latin typeface="210 옴니고딕 030" panose="02020603020101020101" pitchFamily="18" charset="-127"/>
+                <a:ea typeface="210 옴니고딕 030" panose="02020603020101020101" pitchFamily="18" charset="-127"/>
+              </a:rPr>
+              <a:t>IP Address</a:t>
+            </a:r>
+            <a:endParaRPr lang="ko-KR" altLang="en-US" sz="2000" b="1" dirty="0">
+              <a:solidFill>
+                <a:schemeClr val="bg1">
+                  <a:lumMod val="50000"/>
+                </a:schemeClr>
+              </a:solidFill>
+              <a:latin typeface="210 옴니고딕 030" panose="02020603020101020101" pitchFamily="18" charset="-127"/>
+              <a:ea typeface="210 옴니고딕 030" panose="02020603020101020101" pitchFamily="18" charset="-127"/>
+            </a:endParaRPr>
+          </a:p>
+        </p:txBody>
+      </p:sp>
+      <p:sp>
+        <p:nvSpPr>
+          <p:cNvPr id="20" name="TextBox 19">
+            <a:extLst>
+              <a:ext uri="{FF2B5EF4-FFF2-40B4-BE49-F238E27FC236}">
+                <a16:creationId xmlns:a16="http://schemas.microsoft.com/office/drawing/2014/main" id="{3F58C6B3-58ED-4082-ACF2-DCBA68A01325}"/>
+              </a:ext>
+            </a:extLst>
+          </p:cNvPr>
+          <p:cNvSpPr txBox="1"/>
+          <p:nvPr/>
+        </p:nvSpPr>
+        <p:spPr>
+          <a:xfrm>
+            <a:off x="7457548" y="1432204"/>
+            <a:ext cx="1686186" cy="707886"/>
+          </a:xfrm>
+          <a:prstGeom prst="rect">
+            <a:avLst/>
+          </a:prstGeom>
+          <a:noFill/>
+        </p:spPr>
+        <p:txBody>
+          <a:bodyPr wrap="square" rtlCol="0">
+            <a:spAutoFit/>
+          </a:bodyPr>
+          <a:lstStyle/>
+          <a:p>
+            <a:pPr algn="ctr"/>
+            <a:r>
+              <a:rPr lang="en-US" altLang="ko-KR" sz="2000" b="1" dirty="0">
+                <a:solidFill>
+                  <a:schemeClr val="bg1">
+                    <a:lumMod val="50000"/>
+                  </a:schemeClr>
+                </a:solidFill>
+                <a:latin typeface="210 옴니고딕 030" panose="02020603020101020101" pitchFamily="18" charset="-127"/>
+                <a:ea typeface="210 옴니고딕 030" panose="02020603020101020101" pitchFamily="18" charset="-127"/>
+              </a:rPr>
+              <a:t>HTTP Request</a:t>
+            </a:r>
+            <a:endParaRPr lang="ko-KR" altLang="en-US" sz="2000" b="1" dirty="0">
+              <a:solidFill>
+                <a:schemeClr val="bg1">
+                  <a:lumMod val="50000"/>
+                </a:schemeClr>
+              </a:solidFill>
+              <a:latin typeface="210 옴니고딕 030" panose="02020603020101020101" pitchFamily="18" charset="-127"/>
+              <a:ea typeface="210 옴니고딕 030" panose="02020603020101020101" pitchFamily="18" charset="-127"/>
+            </a:endParaRPr>
+          </a:p>
+        </p:txBody>
+      </p:sp>
+      <p:sp>
+        <p:nvSpPr>
+          <p:cNvPr id="22" name="TextBox 21">
+            <a:extLst>
+              <a:ext uri="{FF2B5EF4-FFF2-40B4-BE49-F238E27FC236}">
+                <a16:creationId xmlns:a16="http://schemas.microsoft.com/office/drawing/2014/main" id="{CF092805-70E8-47E1-98EB-4131175E111D}"/>
+              </a:ext>
+            </a:extLst>
+          </p:cNvPr>
+          <p:cNvSpPr txBox="1"/>
+          <p:nvPr/>
+        </p:nvSpPr>
+        <p:spPr>
+          <a:xfrm>
+            <a:off x="7450526" y="2943170"/>
+            <a:ext cx="1686186" cy="707886"/>
+          </a:xfrm>
+          <a:prstGeom prst="rect">
+            <a:avLst/>
+          </a:prstGeom>
+          <a:noFill/>
+        </p:spPr>
+        <p:txBody>
+          <a:bodyPr wrap="square" rtlCol="0">
+            <a:spAutoFit/>
+          </a:bodyPr>
+          <a:lstStyle/>
+          <a:p>
+            <a:pPr algn="ctr"/>
+            <a:r>
+              <a:rPr lang="en-US" altLang="ko-KR" sz="2000" b="1" dirty="0">
+                <a:solidFill>
+                  <a:schemeClr val="bg1">
+                    <a:lumMod val="50000"/>
+                  </a:schemeClr>
+                </a:solidFill>
+                <a:latin typeface="210 옴니고딕 030" panose="02020603020101020101" pitchFamily="18" charset="-127"/>
+                <a:ea typeface="210 옴니고딕 030" panose="02020603020101020101" pitchFamily="18" charset="-127"/>
+              </a:rPr>
+              <a:t>Respond</a:t>
+            </a:r>
+          </a:p>
+          <a:p>
+            <a:pPr algn="ctr"/>
+            <a:r>
+              <a:rPr lang="en-US" altLang="ko-KR" sz="2000" b="1" dirty="0">
+                <a:solidFill>
+                  <a:schemeClr val="bg1">
+                    <a:lumMod val="50000"/>
+                  </a:schemeClr>
+                </a:solidFill>
+                <a:latin typeface="210 옴니고딕 030" panose="02020603020101020101" pitchFamily="18" charset="-127"/>
+                <a:ea typeface="210 옴니고딕 030" panose="02020603020101020101" pitchFamily="18" charset="-127"/>
+              </a:rPr>
+              <a:t>(files)</a:t>
+            </a:r>
+            <a:endParaRPr lang="ko-KR" altLang="en-US" sz="2000" b="1" dirty="0">
+              <a:solidFill>
+                <a:schemeClr val="bg1">
+                  <a:lumMod val="50000"/>
+                </a:schemeClr>
+              </a:solidFill>
+              <a:latin typeface="210 옴니고딕 030" panose="02020603020101020101" pitchFamily="18" charset="-127"/>
+              <a:ea typeface="210 옴니고딕 030" panose="02020603020101020101" pitchFamily="18" charset="-127"/>
+            </a:endParaRPr>
+          </a:p>
+        </p:txBody>
+      </p:sp>
+      <p:pic>
+        <p:nvPicPr>
+          <p:cNvPr id="28" name="그래픽 27" descr="서버">
+            <a:extLst>
+              <a:ext uri="{FF2B5EF4-FFF2-40B4-BE49-F238E27FC236}">
+                <a16:creationId xmlns:a16="http://schemas.microsoft.com/office/drawing/2014/main" id="{9947BC17-DEC2-45F6-95C9-9C8EA13DD245}"/>
+              </a:ext>
+            </a:extLst>
+          </p:cNvPr>
+          <p:cNvPicPr>
+            <a:picLocks noChangeAspect="1"/>
+          </p:cNvPicPr>
+          <p:nvPr/>
+        </p:nvPicPr>
+        <p:blipFill>
+          <a:blip r:embed="rId4">
+            <a:extLst>
+              <a:ext uri="{28A0092B-C50C-407E-A947-70E740481C1C}">
+                <a14:useLocalDpi xmlns:a14="http://schemas.microsoft.com/office/drawing/2010/main" val="0"/>
+              </a:ext>
+              <a:ext uri="{96DAC541-7B7A-43D3-8B79-37D633B846F1}">
+                <asvg:svgBlip xmlns:asvg="http://schemas.microsoft.com/office/drawing/2016/SVG/main" r:embed="rId5"/>
+              </a:ext>
+            </a:extLst>
+          </a:blip>
+          <a:stretch>
+            <a:fillRect/>
+          </a:stretch>
+        </p:blipFill>
+        <p:spPr>
+          <a:xfrm>
+            <a:off x="8921914" y="1432204"/>
+            <a:ext cx="2362171" cy="2362171"/>
           </a:xfrm>
           <a:prstGeom prst="rect">
             <a:avLst/>
@@ -3362,10 +3736,10 @@
       </p:pic>
       <p:pic>
         <p:nvPicPr>
-          <p:cNvPr id="8" name="그래픽 7" descr="데이터베이스">
-            <a:extLst>
-              <a:ext uri="{FF2B5EF4-FFF2-40B4-BE49-F238E27FC236}">
-                <a16:creationId xmlns:a16="http://schemas.microsoft.com/office/drawing/2014/main" id="{A23DE747-51B4-40A2-A4F7-FB05D1427B74}"/>
+          <p:cNvPr id="3" name="그래픽 2" descr="브라우저 창">
+            <a:extLst>
+              <a:ext uri="{FF2B5EF4-FFF2-40B4-BE49-F238E27FC236}">
+                <a16:creationId xmlns:a16="http://schemas.microsoft.com/office/drawing/2014/main" id="{D15B2CC9-7ADF-4692-904E-2D1FB6B68E2B}"/>
               </a:ext>
             </a:extLst>
           </p:cNvPr>
@@ -3375,13 +3749,13 @@
           <p:nvPr/>
         </p:nvPicPr>
         <p:blipFill>
-          <a:blip r:embed="rId4">
+          <a:blip r:embed="rId6">
             <a:extLst>
               <a:ext uri="{28A0092B-C50C-407E-A947-70E740481C1C}">
                 <a14:useLocalDpi xmlns:a14="http://schemas.microsoft.com/office/drawing/2010/main" val="0"/>
               </a:ext>
               <a:ext uri="{96DAC541-7B7A-43D3-8B79-37D633B846F1}">
-                <asvg:svgBlip xmlns:asvg="http://schemas.microsoft.com/office/drawing/2016/SVG/main" r:embed="rId5"/>
+                <asvg:svgBlip xmlns:asvg="http://schemas.microsoft.com/office/drawing/2016/SVG/main" r:embed="rId7"/>
               </a:ext>
             </a:extLst>
           </a:blip>
@@ -3391,20 +3765,59 @@
         </p:blipFill>
         <p:spPr>
           <a:xfrm>
-            <a:off x="4601130" y="4569801"/>
-            <a:ext cx="1791050" cy="1791050"/>
+            <a:off x="4419306" y="1029524"/>
+            <a:ext cx="2980116" cy="2980116"/>
           </a:xfrm>
           <a:prstGeom prst="rect">
             <a:avLst/>
           </a:prstGeom>
         </p:spPr>
       </p:pic>
-      <p:sp>
-        <p:nvSpPr>
-          <p:cNvPr id="10" name="TextBox 9">
-            <a:extLst>
-              <a:ext uri="{FF2B5EF4-FFF2-40B4-BE49-F238E27FC236}">
-                <a16:creationId xmlns:a16="http://schemas.microsoft.com/office/drawing/2014/main" id="{855573BA-0D9D-4446-9757-C57D4A36A7FD}"/>
+      <p:pic>
+        <p:nvPicPr>
+          <p:cNvPr id="7" name="그래픽 6" descr="사용자">
+            <a:extLst>
+              <a:ext uri="{FF2B5EF4-FFF2-40B4-BE49-F238E27FC236}">
+                <a16:creationId xmlns:a16="http://schemas.microsoft.com/office/drawing/2014/main" id="{4257F56D-CF8B-469D-9F44-408CEF46BCE1}"/>
+              </a:ext>
+            </a:extLst>
+          </p:cNvPr>
+          <p:cNvPicPr>
+            <a:picLocks noChangeAspect="1"/>
+          </p:cNvPicPr>
+          <p:nvPr/>
+        </p:nvPicPr>
+        <p:blipFill>
+          <a:blip r:embed="rId8">
+            <a:extLst>
+              <a:ext uri="{28A0092B-C50C-407E-A947-70E740481C1C}">
+                <a14:useLocalDpi xmlns:a14="http://schemas.microsoft.com/office/drawing/2010/main" val="0"/>
+              </a:ext>
+              <a:ext uri="{96DAC541-7B7A-43D3-8B79-37D633B846F1}">
+                <asvg:svgBlip xmlns:asvg="http://schemas.microsoft.com/office/drawing/2016/SVG/main" r:embed="rId9"/>
+              </a:ext>
+            </a:extLst>
+          </a:blip>
+          <a:stretch>
+            <a:fillRect/>
+          </a:stretch>
+        </p:blipFill>
+        <p:spPr>
+          <a:xfrm>
+            <a:off x="836733" y="1479782"/>
+            <a:ext cx="2352921" cy="2352921"/>
+          </a:xfrm>
+          <a:prstGeom prst="rect">
+            <a:avLst/>
+          </a:prstGeom>
+        </p:spPr>
+      </p:pic>
+      <p:sp>
+        <p:nvSpPr>
+          <p:cNvPr id="27" name="TextBox 26">
+            <a:extLst>
+              <a:ext uri="{FF2B5EF4-FFF2-40B4-BE49-F238E27FC236}">
+                <a16:creationId xmlns:a16="http://schemas.microsoft.com/office/drawing/2014/main" id="{35756B0D-744A-47FA-B45E-FCB6DF952ACF}"/>
               </a:ext>
             </a:extLst>
           </p:cNvPr>
@@ -3413,8 +3826,8 @@
         </p:nvSpPr>
         <p:spPr>
           <a:xfrm>
-            <a:off x="3084132" y="1373238"/>
-            <a:ext cx="662731" cy="369332"/>
+            <a:off x="1402766" y="1052854"/>
+            <a:ext cx="1359381" cy="523220"/>
           </a:xfrm>
           <a:prstGeom prst="rect">
             <a:avLst/>
@@ -3428,91 +3841,35 @@
           <a:lstStyle/>
           <a:p>
             <a:r>
-              <a:rPr lang="en-US" altLang="ko-KR" dirty="0"/>
-              <a:t>URL</a:t>
-            </a:r>
-            <a:endParaRPr lang="ko-KR" altLang="en-US" dirty="0"/>
-          </a:p>
-        </p:txBody>
-      </p:sp>
-      <p:sp>
-        <p:nvSpPr>
-          <p:cNvPr id="11" name="TextBox 10">
-            <a:extLst>
-              <a:ext uri="{FF2B5EF4-FFF2-40B4-BE49-F238E27FC236}">
-                <a16:creationId xmlns:a16="http://schemas.microsoft.com/office/drawing/2014/main" id="{3523C4D5-0393-42AD-9A29-3CD86520B88C}"/>
-              </a:ext>
-            </a:extLst>
-          </p:cNvPr>
-          <p:cNvSpPr txBox="1"/>
-          <p:nvPr/>
-        </p:nvSpPr>
-        <p:spPr>
-          <a:xfrm>
-            <a:off x="5165289" y="6236587"/>
-            <a:ext cx="662731" cy="369332"/>
-          </a:xfrm>
-          <a:prstGeom prst="rect">
-            <a:avLst/>
-          </a:prstGeom>
-          <a:noFill/>
-        </p:spPr>
-        <p:txBody>
-          <a:bodyPr wrap="square" rtlCol="0">
-            <a:spAutoFit/>
-          </a:bodyPr>
-          <a:lstStyle/>
-          <a:p>
-            <a:r>
-              <a:rPr lang="en-US" altLang="ko-KR" dirty="0"/>
-              <a:t>DNS</a:t>
-            </a:r>
-            <a:endParaRPr lang="ko-KR" altLang="en-US" dirty="0"/>
-          </a:p>
-        </p:txBody>
-      </p:sp>
-      <p:sp>
-        <p:nvSpPr>
-          <p:cNvPr id="12" name="TextBox 11">
-            <a:extLst>
-              <a:ext uri="{FF2B5EF4-FFF2-40B4-BE49-F238E27FC236}">
-                <a16:creationId xmlns:a16="http://schemas.microsoft.com/office/drawing/2014/main" id="{7040B803-4D1B-4C59-94A9-C62A98DBF738}"/>
-              </a:ext>
-            </a:extLst>
-          </p:cNvPr>
-          <p:cNvSpPr txBox="1"/>
-          <p:nvPr/>
-        </p:nvSpPr>
-        <p:spPr>
-          <a:xfrm>
-            <a:off x="4974675" y="3138507"/>
-            <a:ext cx="1073791" cy="369332"/>
-          </a:xfrm>
-          <a:prstGeom prst="rect">
-            <a:avLst/>
-          </a:prstGeom>
-          <a:noFill/>
-        </p:spPr>
-        <p:txBody>
-          <a:bodyPr wrap="square" rtlCol="0">
-            <a:spAutoFit/>
-          </a:bodyPr>
-          <a:lstStyle/>
-          <a:p>
-            <a:r>
-              <a:rPr lang="en-US" altLang="ko-KR" dirty="0"/>
-              <a:t>Browser</a:t>
-            </a:r>
-            <a:endParaRPr lang="ko-KR" altLang="en-US" dirty="0"/>
-          </a:p>
-        </p:txBody>
-      </p:sp>
-      <p:sp>
-        <p:nvSpPr>
-          <p:cNvPr id="13" name="화살표: 오른쪽 12">
-            <a:extLst>
-              <a:ext uri="{FF2B5EF4-FFF2-40B4-BE49-F238E27FC236}">
-                <a16:creationId xmlns:a16="http://schemas.microsoft.com/office/drawing/2014/main" id="{BA12A9B8-494C-4CA6-A933-418C883BAA41}"/>
+              <a:rPr lang="en-US" altLang="ko-KR" sz="2800" b="1" dirty="0">
+                <a:solidFill>
+                  <a:schemeClr val="bg1">
+                    <a:lumMod val="50000"/>
+                  </a:schemeClr>
+                </a:solidFill>
+                <a:latin typeface="210 옴니고딕 030" panose="02020603020101020101" pitchFamily="18" charset="-127"/>
+                <a:ea typeface="210 옴니고딕 030" panose="02020603020101020101" pitchFamily="18" charset="-127"/>
+              </a:rPr>
+              <a:t>Client</a:t>
+            </a:r>
+            <a:endParaRPr lang="ko-KR" altLang="en-US" sz="2800" b="1" dirty="0">
+              <a:solidFill>
+                <a:schemeClr val="bg1">
+                  <a:lumMod val="50000"/>
+                </a:schemeClr>
+              </a:solidFill>
+              <a:latin typeface="210 옴니고딕 030" panose="02020603020101020101" pitchFamily="18" charset="-127"/>
+              <a:ea typeface="210 옴니고딕 030" panose="02020603020101020101" pitchFamily="18" charset="-127"/>
+            </a:endParaRPr>
+          </a:p>
+        </p:txBody>
+      </p:sp>
+      <p:sp>
+        <p:nvSpPr>
+          <p:cNvPr id="14" name="화살표: 굽음 13">
+            <a:extLst>
+              <a:ext uri="{FF2B5EF4-FFF2-40B4-BE49-F238E27FC236}">
+                <a16:creationId xmlns:a16="http://schemas.microsoft.com/office/drawing/2014/main" id="{8E127C33-E02E-45AE-88C6-E5019C99BE7A}"/>
               </a:ext>
             </a:extLst>
           </p:cNvPr>
@@ -3521,12 +3878,23 @@
         </p:nvSpPr>
         <p:spPr>
           <a:xfrm rot="5400000">
-            <a:off x="4765136" y="3874598"/>
-            <a:ext cx="978408" cy="484632"/>
+            <a:off x="3317753" y="2136953"/>
+            <a:ext cx="2493161" cy="2721222"/>
           </a:xfrm>
-          <a:prstGeom prst="rightArrow">
-            <a:avLst/>
+          <a:prstGeom prst="bentArrow">
+            <a:avLst>
+              <a:gd name="adj1" fmla="val 8047"/>
+              <a:gd name="adj2" fmla="val 8199"/>
+              <a:gd name="adj3" fmla="val 25000"/>
+              <a:gd name="adj4" fmla="val 0"/>
+            </a:avLst>
           </a:prstGeom>
+          <a:solidFill>
+            <a:schemeClr val="accent1"/>
+          </a:solidFill>
+          <a:ln>
+            <a:noFill/>
+          </a:ln>
         </p:spPr>
         <p:style>
           <a:lnRef idx="2">
@@ -3549,16 +3917,74 @@
           <a:lstStyle/>
           <a:p>
             <a:pPr algn="ctr"/>
-            <a:endParaRPr lang="ko-KR" altLang="en-US"/>
-          </a:p>
-        </p:txBody>
-      </p:sp>
-      <p:sp>
-        <p:nvSpPr>
-          <p:cNvPr id="15" name="화살표: 오른쪽 14">
-            <a:extLst>
-              <a:ext uri="{FF2B5EF4-FFF2-40B4-BE49-F238E27FC236}">
-                <a16:creationId xmlns:a16="http://schemas.microsoft.com/office/drawing/2014/main" id="{712534EE-F56A-45D6-B119-0F5D7FB0B0E5}"/>
+            <a:endParaRPr lang="ko-KR" altLang="en-US">
+              <a:solidFill>
+                <a:schemeClr val="bg1">
+                  <a:lumMod val="50000"/>
+                </a:schemeClr>
+              </a:solidFill>
+            </a:endParaRPr>
+          </a:p>
+        </p:txBody>
+      </p:sp>
+      <p:sp>
+        <p:nvSpPr>
+          <p:cNvPr id="16" name="TextBox 15">
+            <a:extLst>
+              <a:ext uri="{FF2B5EF4-FFF2-40B4-BE49-F238E27FC236}">
+                <a16:creationId xmlns:a16="http://schemas.microsoft.com/office/drawing/2014/main" id="{C8F823B4-9754-47AC-9950-C6942F8BD390}"/>
+              </a:ext>
+            </a:extLst>
+          </p:cNvPr>
+          <p:cNvSpPr txBox="1"/>
+          <p:nvPr/>
+        </p:nvSpPr>
+        <p:spPr>
+          <a:xfrm>
+            <a:off x="4424225" y="4060099"/>
+            <a:ext cx="1120860" cy="400110"/>
+          </a:xfrm>
+          <a:prstGeom prst="rect">
+            <a:avLst/>
+          </a:prstGeom>
+          <a:noFill/>
+        </p:spPr>
+        <p:txBody>
+          <a:bodyPr wrap="square" rtlCol="0">
+            <a:spAutoFit/>
+          </a:bodyPr>
+          <a:lstStyle/>
+          <a:p>
+            <a:r>
+              <a:rPr lang="en-US" altLang="ko-KR" sz="2000" b="1" dirty="0">
+                <a:solidFill>
+                  <a:schemeClr val="bg1">
+                    <a:lumMod val="50000"/>
+                  </a:schemeClr>
+                </a:solidFill>
+                <a:latin typeface="210 옴니고딕 030" panose="02020603020101020101" pitchFamily="18" charset="-127"/>
+                <a:ea typeface="210 옴니고딕 030" panose="02020603020101020101" pitchFamily="18" charset="-127"/>
+              </a:rPr>
+              <a:t>Domain</a:t>
+            </a:r>
+            <a:endParaRPr lang="ko-KR" altLang="en-US" sz="2000" b="1" dirty="0">
+              <a:solidFill>
+                <a:schemeClr val="bg1">
+                  <a:lumMod val="50000"/>
+                </a:schemeClr>
+              </a:solidFill>
+              <a:latin typeface="210 옴니고딕 030" panose="02020603020101020101" pitchFamily="18" charset="-127"/>
+              <a:ea typeface="210 옴니고딕 030" panose="02020603020101020101" pitchFamily="18" charset="-127"/>
+            </a:endParaRPr>
+          </a:p>
+        </p:txBody>
+      </p:sp>
+      <p:sp>
+        <p:nvSpPr>
+          <p:cNvPr id="33" name="화살표: 굽음 32">
+            <a:extLst>
+              <a:ext uri="{FF2B5EF4-FFF2-40B4-BE49-F238E27FC236}">
+                <a16:creationId xmlns:a16="http://schemas.microsoft.com/office/drawing/2014/main" id="{D7A9F6FD-0D4C-4ABB-9F3B-AF8104C3DF2D}"/>
               </a:ext>
             </a:extLst>
           </p:cNvPr>
@@ -3566,13 +3992,24 @@
           <p:nvPr/>
         </p:nvSpPr>
         <p:spPr>
-          <a:xfrm rot="16200000">
-            <a:off x="5249766" y="3874598"/>
-            <a:ext cx="978408" cy="484632"/>
+          <a:xfrm>
+            <a:off x="6041197" y="2140091"/>
+            <a:ext cx="2861262" cy="2589787"/>
           </a:xfrm>
-          <a:prstGeom prst="rightArrow">
-            <a:avLst/>
+          <a:prstGeom prst="bentArrow">
+            <a:avLst>
+              <a:gd name="adj1" fmla="val 8047"/>
+              <a:gd name="adj2" fmla="val 8199"/>
+              <a:gd name="adj3" fmla="val 25000"/>
+              <a:gd name="adj4" fmla="val 0"/>
+            </a:avLst>
           </a:prstGeom>
+          <a:solidFill>
+            <a:schemeClr val="accent2"/>
+          </a:solidFill>
+          <a:ln>
+            <a:noFill/>
+          </a:ln>
         </p:spPr>
         <p:style>
           <a:lnRef idx="2">
@@ -3595,16 +4032,22 @@
           <a:lstStyle/>
           <a:p>
             <a:pPr algn="ctr"/>
-            <a:endParaRPr lang="ko-KR" altLang="en-US"/>
-          </a:p>
-        </p:txBody>
-      </p:sp>
-      <p:sp>
-        <p:nvSpPr>
-          <p:cNvPr id="16" name="TextBox 15">
-            <a:extLst>
-              <a:ext uri="{FF2B5EF4-FFF2-40B4-BE49-F238E27FC236}">
-                <a16:creationId xmlns:a16="http://schemas.microsoft.com/office/drawing/2014/main" id="{C8F823B4-9754-47AC-9950-C6942F8BD390}"/>
+            <a:endParaRPr lang="ko-KR" altLang="en-US">
+              <a:solidFill>
+                <a:schemeClr val="bg1">
+                  <a:lumMod val="50000"/>
+                </a:schemeClr>
+              </a:solidFill>
+            </a:endParaRPr>
+          </a:p>
+        </p:txBody>
+      </p:sp>
+      <p:sp>
+        <p:nvSpPr>
+          <p:cNvPr id="34" name="TextBox 33">
+            <a:extLst>
+              <a:ext uri="{FF2B5EF4-FFF2-40B4-BE49-F238E27FC236}">
+                <a16:creationId xmlns:a16="http://schemas.microsoft.com/office/drawing/2014/main" id="{0A8B5584-49CA-45CD-A5BF-362DFD522ABA}"/>
               </a:ext>
             </a:extLst>
           </p:cNvPr>
@@ -3613,8 +4056,8 @@
         </p:nvSpPr>
         <p:spPr>
           <a:xfrm>
-            <a:off x="3891163" y="3894287"/>
-            <a:ext cx="1120860" cy="369332"/>
+            <a:off x="9434990" y="1052854"/>
+            <a:ext cx="1712536" cy="523220"/>
           </a:xfrm>
           <a:prstGeom prst="rect">
             <a:avLst/>
@@ -3628,69 +4071,58 @@
           <a:lstStyle/>
           <a:p>
             <a:r>
-              <a:rPr lang="en-US" altLang="ko-KR" dirty="0"/>
-              <a:t>Domain</a:t>
-            </a:r>
-            <a:endParaRPr lang="ko-KR" altLang="en-US" dirty="0"/>
-          </a:p>
-        </p:txBody>
-      </p:sp>
-      <p:sp>
-        <p:nvSpPr>
-          <p:cNvPr id="17" name="TextBox 16">
-            <a:extLst>
-              <a:ext uri="{FF2B5EF4-FFF2-40B4-BE49-F238E27FC236}">
-                <a16:creationId xmlns:a16="http://schemas.microsoft.com/office/drawing/2014/main" id="{3707E838-1671-44D3-A6A7-4B7F81138757}"/>
-              </a:ext>
-            </a:extLst>
-          </p:cNvPr>
-          <p:cNvSpPr txBox="1"/>
+              <a:rPr lang="en-US" altLang="ko-KR" sz="2800" b="1" dirty="0">
+                <a:solidFill>
+                  <a:schemeClr val="bg1">
+                    <a:lumMod val="50000"/>
+                  </a:schemeClr>
+                </a:solidFill>
+                <a:latin typeface="210 옴니고딕 030" panose="02020603020101020101" pitchFamily="18" charset="-127"/>
+                <a:ea typeface="210 옴니고딕 030" panose="02020603020101020101" pitchFamily="18" charset="-127"/>
+              </a:rPr>
+              <a:t>Server</a:t>
+            </a:r>
+            <a:endParaRPr lang="ko-KR" altLang="en-US" sz="2800" b="1" dirty="0">
+              <a:solidFill>
+                <a:schemeClr val="bg1">
+                  <a:lumMod val="50000"/>
+                </a:schemeClr>
+              </a:solidFill>
+              <a:latin typeface="210 옴니고딕 030" panose="02020603020101020101" pitchFamily="18" charset="-127"/>
+              <a:ea typeface="210 옴니고딕 030" panose="02020603020101020101" pitchFamily="18" charset="-127"/>
+            </a:endParaRPr>
+          </a:p>
+        </p:txBody>
+      </p:sp>
+      <p:sp>
+        <p:nvSpPr>
+          <p:cNvPr id="18" name="화살표: 왼쪽 17">
+            <a:extLst>
+              <a:ext uri="{FF2B5EF4-FFF2-40B4-BE49-F238E27FC236}">
+                <a16:creationId xmlns:a16="http://schemas.microsoft.com/office/drawing/2014/main" id="{017AD790-E0F4-4366-B2EC-6A3541EA1069}"/>
+              </a:ext>
+            </a:extLst>
+          </p:cNvPr>
+          <p:cNvSpPr/>
           <p:nvPr/>
         </p:nvSpPr>
         <p:spPr>
           <a:xfrm>
-            <a:off x="6048466" y="3894287"/>
-            <a:ext cx="1384182" cy="369332"/>
+            <a:off x="3203723" y="2556003"/>
+            <a:ext cx="5698734" cy="472248"/>
           </a:xfrm>
-          <a:prstGeom prst="rect">
-            <a:avLst/>
+          <a:prstGeom prst="leftArrow">
+            <a:avLst>
+              <a:gd name="adj1" fmla="val 54119"/>
+              <a:gd name="adj2" fmla="val 193204"/>
+            </a:avLst>
           </a:prstGeom>
-          <a:noFill/>
-        </p:spPr>
-        <p:txBody>
-          <a:bodyPr wrap="square" rtlCol="0">
-            <a:spAutoFit/>
-          </a:bodyPr>
-          <a:lstStyle/>
-          <a:p>
-            <a:r>
-              <a:rPr lang="en-US" altLang="ko-KR" dirty="0"/>
-              <a:t>IP Address</a:t>
-            </a:r>
-            <a:endParaRPr lang="ko-KR" altLang="en-US" dirty="0"/>
-          </a:p>
-        </p:txBody>
-      </p:sp>
-      <p:sp>
-        <p:nvSpPr>
-          <p:cNvPr id="19" name="화살표: 오른쪽 18">
-            <a:extLst>
-              <a:ext uri="{FF2B5EF4-FFF2-40B4-BE49-F238E27FC236}">
-                <a16:creationId xmlns:a16="http://schemas.microsoft.com/office/drawing/2014/main" id="{C683B425-7C2E-4598-85F6-7467CFFBFC79}"/>
-              </a:ext>
-            </a:extLst>
-          </p:cNvPr>
-          <p:cNvSpPr/>
-          <p:nvPr/>
-        </p:nvSpPr>
-        <p:spPr>
-          <a:xfrm>
-            <a:off x="7249643" y="1633825"/>
-            <a:ext cx="978408" cy="484632"/>
-          </a:xfrm>
-          <a:prstGeom prst="rightArrow">
-            <a:avLst/>
-          </a:prstGeom>
+          <a:solidFill>
+            <a:schemeClr val="accent4"/>
+          </a:solidFill>
+          <a:ln>
+            <a:noFill/>
+          </a:ln>
         </p:spPr>
         <p:style>
           <a:lnRef idx="2">
@@ -3713,16 +4145,22 @@
           <a:lstStyle/>
           <a:p>
             <a:pPr algn="ctr"/>
-            <a:endParaRPr lang="ko-KR" altLang="en-US"/>
-          </a:p>
-        </p:txBody>
-      </p:sp>
-      <p:sp>
-        <p:nvSpPr>
-          <p:cNvPr id="20" name="TextBox 19">
-            <a:extLst>
-              <a:ext uri="{FF2B5EF4-FFF2-40B4-BE49-F238E27FC236}">
-                <a16:creationId xmlns:a16="http://schemas.microsoft.com/office/drawing/2014/main" id="{3F58C6B3-58ED-4082-ACF2-DCBA68A01325}"/>
+            <a:endParaRPr lang="ko-KR" altLang="en-US">
+              <a:solidFill>
+                <a:schemeClr val="bg1">
+                  <a:lumMod val="50000"/>
+                </a:schemeClr>
+              </a:solidFill>
+            </a:endParaRPr>
+          </a:p>
+        </p:txBody>
+      </p:sp>
+      <p:sp>
+        <p:nvSpPr>
+          <p:cNvPr id="26" name="TextBox 25">
+            <a:extLst>
+              <a:ext uri="{FF2B5EF4-FFF2-40B4-BE49-F238E27FC236}">
+                <a16:creationId xmlns:a16="http://schemas.microsoft.com/office/drawing/2014/main" id="{859E9273-F5A2-463E-B851-8C2E310158BC}"/>
               </a:ext>
             </a:extLst>
           </p:cNvPr>
@@ -3731,8 +4169,8 @@
         </p:nvSpPr>
         <p:spPr>
           <a:xfrm>
-            <a:off x="6895754" y="1238797"/>
-            <a:ext cx="1686186" cy="369332"/>
+            <a:off x="5023567" y="2643001"/>
+            <a:ext cx="3119524" cy="338554"/>
           </a:xfrm>
           <a:prstGeom prst="rect">
             <a:avLst/>
@@ -3746,65 +4184,35 @@
           <a:lstStyle/>
           <a:p>
             <a:r>
-              <a:rPr lang="en-US" altLang="ko-KR" dirty="0"/>
-              <a:t>HTTP Request</a:t>
-            </a:r>
-            <a:endParaRPr lang="ko-KR" altLang="en-US" dirty="0"/>
-          </a:p>
-        </p:txBody>
-      </p:sp>
-      <p:sp>
-        <p:nvSpPr>
-          <p:cNvPr id="21" name="화살표: 오른쪽 20">
-            <a:extLst>
-              <a:ext uri="{FF2B5EF4-FFF2-40B4-BE49-F238E27FC236}">
-                <a16:creationId xmlns:a16="http://schemas.microsoft.com/office/drawing/2014/main" id="{6D2E6E69-8FFD-426E-8423-5CA1E75D1EDA}"/>
-              </a:ext>
-            </a:extLst>
-          </p:cNvPr>
-          <p:cNvSpPr/>
-          <p:nvPr/>
-        </p:nvSpPr>
-        <p:spPr>
-          <a:xfrm rot="10800000">
-            <a:off x="7249643" y="2103604"/>
-            <a:ext cx="978408" cy="484632"/>
-          </a:xfrm>
-          <a:prstGeom prst="rightArrow">
-            <a:avLst/>
-          </a:prstGeom>
-        </p:spPr>
-        <p:style>
-          <a:lnRef idx="2">
-            <a:schemeClr val="accent1">
-              <a:shade val="50000"/>
-            </a:schemeClr>
-          </a:lnRef>
-          <a:fillRef idx="1">
-            <a:schemeClr val="accent1"/>
-          </a:fillRef>
-          <a:effectRef idx="0">
-            <a:schemeClr val="accent1"/>
-          </a:effectRef>
-          <a:fontRef idx="minor">
-            <a:schemeClr val="lt1"/>
-          </a:fontRef>
-        </p:style>
-        <p:txBody>
-          <a:bodyPr rtlCol="0" anchor="ctr"/>
-          <a:lstStyle/>
-          <a:p>
-            <a:pPr algn="ctr"/>
-            <a:endParaRPr lang="ko-KR" altLang="en-US"/>
-          </a:p>
-        </p:txBody>
-      </p:sp>
-      <p:sp>
-        <p:nvSpPr>
-          <p:cNvPr id="22" name="TextBox 21">
-            <a:extLst>
-              <a:ext uri="{FF2B5EF4-FFF2-40B4-BE49-F238E27FC236}">
-                <a16:creationId xmlns:a16="http://schemas.microsoft.com/office/drawing/2014/main" id="{CF092805-70E8-47E1-98EB-4131175E111D}"/>
+              <a:rPr lang="en-US" altLang="ko-KR" sz="1600" b="1" dirty="0">
+                <a:solidFill>
+                  <a:schemeClr val="bg1">
+                    <a:lumMod val="50000"/>
+                  </a:schemeClr>
+                </a:solidFill>
+                <a:latin typeface="210 옴니고딕 030" panose="02020603020101020101" pitchFamily="18" charset="-127"/>
+                <a:ea typeface="210 옴니고딕 030" panose="02020603020101020101" pitchFamily="18" charset="-127"/>
+              </a:rPr>
+              <a:t>Rendering HTML</a:t>
+            </a:r>
+            <a:endParaRPr lang="ko-KR" altLang="en-US" sz="1600" b="1" dirty="0">
+              <a:solidFill>
+                <a:schemeClr val="bg1">
+                  <a:lumMod val="50000"/>
+                </a:schemeClr>
+              </a:solidFill>
+              <a:latin typeface="210 옴니고딕 030" panose="02020603020101020101" pitchFamily="18" charset="-127"/>
+              <a:ea typeface="210 옴니고딕 030" panose="02020603020101020101" pitchFamily="18" charset="-127"/>
+            </a:endParaRPr>
+          </a:p>
+        </p:txBody>
+      </p:sp>
+      <p:sp>
+        <p:nvSpPr>
+          <p:cNvPr id="35" name="TextBox 34">
+            <a:extLst>
+              <a:ext uri="{FF2B5EF4-FFF2-40B4-BE49-F238E27FC236}">
+                <a16:creationId xmlns:a16="http://schemas.microsoft.com/office/drawing/2014/main" id="{769DAF44-7967-475F-AF29-18676B9035C2}"/>
               </a:ext>
             </a:extLst>
           </p:cNvPr>
@@ -3813,8 +4221,8 @@
         </p:nvSpPr>
         <p:spPr>
           <a:xfrm>
-            <a:off x="7248092" y="2637040"/>
-            <a:ext cx="1686186" cy="369332"/>
+            <a:off x="3083534" y="3015595"/>
+            <a:ext cx="1686186" cy="584775"/>
           </a:xfrm>
           <a:prstGeom prst="rect">
             <a:avLst/>
@@ -3827,148 +4235,52 @@
           </a:bodyPr>
           <a:lstStyle/>
           <a:p>
-            <a:r>
-              <a:rPr lang="en-US" altLang="ko-KR" dirty="0"/>
-              <a:t>Respond</a:t>
-            </a:r>
-            <a:endParaRPr lang="ko-KR" altLang="en-US" dirty="0"/>
-          </a:p>
-        </p:txBody>
-      </p:sp>
-      <p:sp>
-        <p:nvSpPr>
-          <p:cNvPr id="24" name="화살표: 오른쪽 23">
-            <a:extLst>
-              <a:ext uri="{FF2B5EF4-FFF2-40B4-BE49-F238E27FC236}">
-                <a16:creationId xmlns:a16="http://schemas.microsoft.com/office/drawing/2014/main" id="{C632A158-DF77-44CD-B9F3-834586CF6751}"/>
-              </a:ext>
-            </a:extLst>
-          </p:cNvPr>
-          <p:cNvSpPr/>
-          <p:nvPr/>
-        </p:nvSpPr>
-        <p:spPr>
-          <a:xfrm>
-            <a:off x="2912755" y="1731229"/>
-            <a:ext cx="978408" cy="484632"/>
-          </a:xfrm>
-          <a:prstGeom prst="rightArrow">
-            <a:avLst/>
-          </a:prstGeom>
-        </p:spPr>
-        <p:style>
-          <a:lnRef idx="2">
-            <a:schemeClr val="accent1">
-              <a:shade val="50000"/>
-            </a:schemeClr>
-          </a:lnRef>
-          <a:fillRef idx="1">
-            <a:schemeClr val="accent1"/>
-          </a:fillRef>
-          <a:effectRef idx="0">
-            <a:schemeClr val="accent1"/>
-          </a:effectRef>
-          <a:fontRef idx="minor">
-            <a:schemeClr val="lt1"/>
-          </a:fontRef>
-        </p:style>
-        <p:txBody>
-          <a:bodyPr rtlCol="0" anchor="ctr"/>
-          <a:lstStyle/>
-          <a:p>
             <a:pPr algn="ctr"/>
-            <a:endParaRPr lang="ko-KR" altLang="en-US"/>
-          </a:p>
-        </p:txBody>
-      </p:sp>
-      <p:sp>
-        <p:nvSpPr>
-          <p:cNvPr id="25" name="화살표: 오른쪽 24">
-            <a:extLst>
-              <a:ext uri="{FF2B5EF4-FFF2-40B4-BE49-F238E27FC236}">
-                <a16:creationId xmlns:a16="http://schemas.microsoft.com/office/drawing/2014/main" id="{DC2D00F6-4BC6-427B-8D9E-5CFA317DD13E}"/>
-              </a:ext>
-            </a:extLst>
-          </p:cNvPr>
-          <p:cNvSpPr/>
-          <p:nvPr/>
-        </p:nvSpPr>
-        <p:spPr>
-          <a:xfrm rot="10800000">
-            <a:off x="2912755" y="2201008"/>
-            <a:ext cx="978408" cy="484632"/>
-          </a:xfrm>
-          <a:prstGeom prst="rightArrow">
-            <a:avLst/>
-          </a:prstGeom>
-        </p:spPr>
-        <p:style>
-          <a:lnRef idx="2">
-            <a:schemeClr val="accent1">
-              <a:shade val="50000"/>
-            </a:schemeClr>
-          </a:lnRef>
-          <a:fillRef idx="1">
-            <a:schemeClr val="accent1"/>
-          </a:fillRef>
-          <a:effectRef idx="0">
-            <a:schemeClr val="accent1"/>
-          </a:effectRef>
-          <a:fontRef idx="minor">
-            <a:schemeClr val="lt1"/>
-          </a:fontRef>
-        </p:style>
-        <p:txBody>
-          <a:bodyPr rtlCol="0" anchor="ctr"/>
-          <a:lstStyle/>
+            <a:r>
+              <a:rPr lang="en-US" altLang="ko-KR" sz="1600" b="1" dirty="0">
+                <a:solidFill>
+                  <a:schemeClr val="bg1">
+                    <a:lumMod val="50000"/>
+                  </a:schemeClr>
+                </a:solidFill>
+                <a:latin typeface="210 옴니고딕 030" panose="02020603020101020101" pitchFamily="18" charset="-127"/>
+                <a:ea typeface="210 옴니고딕 030" panose="02020603020101020101" pitchFamily="18" charset="-127"/>
+              </a:rPr>
+              <a:t>Graphical </a:t>
+            </a:r>
+          </a:p>
           <a:p>
             <a:pPr algn="ctr"/>
-            <a:endParaRPr lang="ko-KR" altLang="en-US"/>
-          </a:p>
-        </p:txBody>
-      </p:sp>
-      <p:sp>
-        <p:nvSpPr>
-          <p:cNvPr id="26" name="TextBox 25">
-            <a:extLst>
-              <a:ext uri="{FF2B5EF4-FFF2-40B4-BE49-F238E27FC236}">
-                <a16:creationId xmlns:a16="http://schemas.microsoft.com/office/drawing/2014/main" id="{859E9273-F5A2-463E-B851-8C2E310158BC}"/>
-              </a:ext>
-            </a:extLst>
-          </p:cNvPr>
-          <p:cNvSpPr txBox="1"/>
-          <p:nvPr/>
-        </p:nvSpPr>
-        <p:spPr>
-          <a:xfrm>
-            <a:off x="2995120" y="2820912"/>
-            <a:ext cx="1367158" cy="646331"/>
-          </a:xfrm>
-          <a:prstGeom prst="rect">
-            <a:avLst/>
-          </a:prstGeom>
-          <a:noFill/>
-        </p:spPr>
-        <p:txBody>
-          <a:bodyPr wrap="square" rtlCol="0">
-            <a:spAutoFit/>
-          </a:bodyPr>
-          <a:lstStyle/>
-          <a:p>
-            <a:r>
-              <a:rPr lang="en-US" altLang="ko-KR" dirty="0"/>
-              <a:t>HTML Code</a:t>
-            </a:r>
-            <a:endParaRPr lang="ko-KR" altLang="en-US" dirty="0"/>
+            <a:r>
+              <a:rPr lang="en-US" altLang="ko-KR" sz="1600" b="1" dirty="0">
+                <a:solidFill>
+                  <a:schemeClr val="bg1">
+                    <a:lumMod val="50000"/>
+                  </a:schemeClr>
+                </a:solidFill>
+                <a:latin typeface="210 옴니고딕 030" panose="02020603020101020101" pitchFamily="18" charset="-127"/>
+                <a:ea typeface="210 옴니고딕 030" panose="02020603020101020101" pitchFamily="18" charset="-127"/>
+              </a:rPr>
+              <a:t>Presentation</a:t>
+            </a:r>
+            <a:endParaRPr lang="ko-KR" altLang="en-US" sz="1600" b="1" dirty="0">
+              <a:solidFill>
+                <a:schemeClr val="bg1">
+                  <a:lumMod val="50000"/>
+                </a:schemeClr>
+              </a:solidFill>
+              <a:latin typeface="210 옴니고딕 030" panose="02020603020101020101" pitchFamily="18" charset="-127"/>
+              <a:ea typeface="210 옴니고딕 030" panose="02020603020101020101" pitchFamily="18" charset="-127"/>
+            </a:endParaRPr>
           </a:p>
         </p:txBody>
       </p:sp>
       <p:pic>
         <p:nvPicPr>
-          <p:cNvPr id="28" name="그래픽 27" descr="서버">
-            <a:extLst>
-              <a:ext uri="{FF2B5EF4-FFF2-40B4-BE49-F238E27FC236}">
-                <a16:creationId xmlns:a16="http://schemas.microsoft.com/office/drawing/2014/main" id="{9947BC17-DEC2-45F6-95C9-9C8EA13DD245}"/>
+          <p:cNvPr id="36" name="그래픽 35" descr="원 화살표">
+            <a:extLst>
+              <a:ext uri="{FF2B5EF4-FFF2-40B4-BE49-F238E27FC236}">
+                <a16:creationId xmlns:a16="http://schemas.microsoft.com/office/drawing/2014/main" id="{CBB6F60D-600A-4FDA-B8AA-49F448C470F2}"/>
               </a:ext>
             </a:extLst>
           </p:cNvPr>
@@ -3978,13 +4290,13 @@
           <p:nvPr/>
         </p:nvPicPr>
         <p:blipFill>
-          <a:blip r:embed="rId6">
+          <a:blip r:embed="rId10">
             <a:extLst>
               <a:ext uri="{28A0092B-C50C-407E-A947-70E740481C1C}">
                 <a14:useLocalDpi xmlns:a14="http://schemas.microsoft.com/office/drawing/2010/main" val="0"/>
               </a:ext>
               <a:ext uri="{96DAC541-7B7A-43D3-8B79-37D633B846F1}">
-                <asvg:svgBlip xmlns:asvg="http://schemas.microsoft.com/office/drawing/2016/SVG/main" r:embed="rId7"/>
+                <asvg:svgBlip xmlns:asvg="http://schemas.microsoft.com/office/drawing/2016/SVG/main" r:embed="rId11"/>
               </a:ext>
             </a:extLst>
           </a:blip>
@@ -3994,14 +4306,56 @@
         </p:blipFill>
         <p:spPr>
           <a:xfrm>
-            <a:off x="8858404" y="1307838"/>
-            <a:ext cx="1698534" cy="1698534"/>
+            <a:off x="7781073" y="2122765"/>
+            <a:ext cx="914400" cy="914400"/>
           </a:xfrm>
           <a:prstGeom prst="rect">
             <a:avLst/>
           </a:prstGeom>
         </p:spPr>
       </p:pic>
+      <p:sp>
+        <p:nvSpPr>
+          <p:cNvPr id="37" name="TextBox 36">
+            <a:extLst>
+              <a:ext uri="{FF2B5EF4-FFF2-40B4-BE49-F238E27FC236}">
+                <a16:creationId xmlns:a16="http://schemas.microsoft.com/office/drawing/2014/main" id="{0578131C-B04A-453F-987B-6948E7842A5E}"/>
+              </a:ext>
+            </a:extLst>
+          </p:cNvPr>
+          <p:cNvSpPr txBox="1"/>
+          <p:nvPr/>
+        </p:nvSpPr>
+        <p:spPr>
+          <a:xfrm>
+            <a:off x="3495491" y="285915"/>
+            <a:ext cx="10202331" cy="584775"/>
+          </a:xfrm>
+          <a:prstGeom prst="rect">
+            <a:avLst/>
+          </a:prstGeom>
+          <a:noFill/>
+        </p:spPr>
+        <p:txBody>
+          <a:bodyPr wrap="square" rtlCol="0">
+            <a:spAutoFit/>
+          </a:bodyPr>
+          <a:lstStyle/>
+          <a:p>
+            <a:r>
+              <a:rPr lang="en-US" altLang="ko-KR" sz="3200" b="1" dirty="0">
+                <a:latin typeface="210 옴니고딕 030" panose="02020603020101020101" pitchFamily="18" charset="-127"/>
+                <a:ea typeface="210 옴니고딕 030" panose="02020603020101020101" pitchFamily="18" charset="-127"/>
+              </a:rPr>
+              <a:t>Request/Response Cycle</a:t>
+            </a:r>
+            <a:endParaRPr lang="ko-KR" altLang="en-US" sz="3200" b="1" dirty="0">
+              <a:latin typeface="210 옴니고딕 030" panose="02020603020101020101" pitchFamily="18" charset="-127"/>
+              <a:ea typeface="210 옴니고딕 030" panose="02020603020101020101" pitchFamily="18" charset="-127"/>
+            </a:endParaRPr>
+          </a:p>
+        </p:txBody>
+      </p:sp>
     </p:spTree>
     <p:extLst>
       <p:ext uri="{BB962C8B-B14F-4D97-AF65-F5344CB8AC3E}">
